--- a/Automobile Fuel Economy.pptx
+++ b/Automobile Fuel Economy.pptx
@@ -16,8 +16,9 @@
     <p:sldId id="266" r:id="rId10"/>
     <p:sldId id="265" r:id="rId11"/>
     <p:sldId id="267" r:id="rId12"/>
-    <p:sldId id="270" r:id="rId13"/>
-    <p:sldId id="275" r:id="rId14"/>
+    <p:sldId id="276" r:id="rId13"/>
+    <p:sldId id="270" r:id="rId14"/>
+    <p:sldId id="275" r:id="rId15"/>
   </p:sldIdLst>
   <p:sldSz cx="12192000" cy="6858000"/>
   <p:notesSz cx="6858000" cy="9144000"/>
@@ -219,7 +220,7 @@
           <a:effectLst/>
           <a:extLst>
             <a:ext uri="{91240B29-F687-4f45-9708-019B960494DF}">
-              <a14:hiddenLine xmlns="" xmlns:a14="http://schemas.microsoft.com/office/drawing/2010/main" w="9525">
+              <a14:hiddenLine xmlns:a14="http://schemas.microsoft.com/office/drawing/2010/main" xmlns="" w="9525">
                 <a:solidFill>
                   <a:srgbClr val="000000"/>
                 </a:solidFill>
@@ -412,7 +413,7 @@
             <a:fld id="{08B9EBBA-996F-894A-B54A-D6246ED52CEA}" type="datetimeFigureOut">
               <a:rPr lang="en-US" dirty="0"/>
               <a:pPr/>
-              <a:t>3/22/2018</a:t>
+              <a:t>3/28/2018</a:t>
             </a:fld>
             <a:endParaRPr lang="en-US" dirty="0"/>
           </a:p>
@@ -727,7 +728,7 @@
             <a:fld id="{18C79C5D-2A6F-F04D-97DA-BEF2467B64E4}" type="datetimeFigureOut">
               <a:rPr lang="en-US" dirty="0"/>
               <a:pPr/>
-              <a:t>3/22/2018</a:t>
+              <a:t>3/28/2018</a:t>
             </a:fld>
             <a:endParaRPr lang="en-US" dirty="0"/>
           </a:p>
@@ -1212,7 +1213,7 @@
             <a:fld id="{8DFA1846-DA80-1C48-A609-854EA85C59AD}" type="datetimeFigureOut">
               <a:rPr lang="en-US" dirty="0"/>
               <a:pPr/>
-              <a:t>3/22/2018</a:t>
+              <a:t>3/28/2018</a:t>
             </a:fld>
             <a:endParaRPr lang="en-US" dirty="0"/>
           </a:p>
@@ -1578,7 +1579,7 @@
             <a:fld id="{FBF54567-0DE4-3F47-BF90-CB84690072F9}" type="datetimeFigureOut">
               <a:rPr lang="en-US" dirty="0"/>
               <a:pPr/>
-              <a:t>3/22/2018</a:t>
+              <a:t>3/28/2018</a:t>
             </a:fld>
             <a:endParaRPr lang="en-US" dirty="0"/>
           </a:p>
@@ -1729,7 +1730,7 @@
           <a:ln/>
           <a:extLst>
             <a:ext uri="{91240B29-F687-4f45-9708-019B960494DF}">
-              <a14:hiddenLine xmlns="" xmlns:a14="http://schemas.microsoft.com/office/drawing/2010/main" w="9525">
+              <a14:hiddenLine xmlns:a14="http://schemas.microsoft.com/office/drawing/2010/main" xmlns="" w="9525">
                 <a:solidFill>
                   <a:srgbClr val="000000"/>
                 </a:solidFill>
@@ -1848,7 +1849,7 @@
             <a:fld id="{C6C52C72-DE31-F449-A4ED-4C594FD91407}" type="datetimeFigureOut">
               <a:rPr lang="en-US" dirty="0"/>
               <a:pPr/>
-              <a:t>3/22/2018</a:t>
+              <a:t>3/28/2018</a:t>
             </a:fld>
             <a:endParaRPr lang="en-US" dirty="0"/>
           </a:p>
@@ -2001,7 +2002,7 @@
           <a:ln/>
           <a:extLst>
             <a:ext uri="{91240B29-F687-4f45-9708-019B960494DF}">
-              <a14:hiddenLine xmlns="" xmlns:a14="http://schemas.microsoft.com/office/drawing/2010/main" w="9525">
+              <a14:hiddenLine xmlns:a14="http://schemas.microsoft.com/office/drawing/2010/main" xmlns="" w="9525">
                 <a:solidFill>
                   <a:srgbClr val="000000"/>
                 </a:solidFill>
@@ -2130,7 +2131,7 @@
             <a:fld id="{ED62726E-379B-B349-9EED-81ED093FA806}" type="datetimeFigureOut">
               <a:rPr lang="en-US" dirty="0"/>
               <a:pPr/>
-              <a:t>3/22/2018</a:t>
+              <a:t>3/28/2018</a:t>
             </a:fld>
             <a:endParaRPr lang="en-US" dirty="0"/>
           </a:p>
@@ -2281,7 +2282,7 @@
           <a:ln/>
           <a:extLst>
             <a:ext uri="{91240B29-F687-4f45-9708-019B960494DF}">
-              <a14:hiddenLine xmlns="" xmlns:a14="http://schemas.microsoft.com/office/drawing/2010/main" w="9525">
+              <a14:hiddenLine xmlns:a14="http://schemas.microsoft.com/office/drawing/2010/main" xmlns="" w="9525">
                 <a:solidFill>
                   <a:srgbClr val="000000"/>
                 </a:solidFill>
@@ -2410,7 +2411,7 @@
             <a:fld id="{9B3A1323-8D79-1946-B0D7-40001CF92E9D}" type="datetimeFigureOut">
               <a:rPr lang="en-US" dirty="0"/>
               <a:pPr/>
-              <a:t>3/22/2018</a:t>
+              <a:t>3/28/2018</a:t>
             </a:fld>
             <a:endParaRPr lang="en-US" dirty="0"/>
           </a:p>
@@ -2750,7 +2751,7 @@
             <a:fld id="{8DFA1846-DA80-1C48-A609-854EA85C59AD}" type="datetimeFigureOut">
               <a:rPr lang="en-US" dirty="0"/>
               <a:pPr/>
-              <a:t>3/22/2018</a:t>
+              <a:t>3/28/2018</a:t>
             </a:fld>
             <a:endParaRPr lang="en-US" dirty="0"/>
           </a:p>
@@ -2901,7 +2902,7 @@
           <a:ln/>
           <a:extLst>
             <a:ext uri="{91240B29-F687-4f45-9708-019B960494DF}">
-              <a14:hiddenLine xmlns="" xmlns:a14="http://schemas.microsoft.com/office/drawing/2010/main" w="9525">
+              <a14:hiddenLine xmlns:a14="http://schemas.microsoft.com/office/drawing/2010/main" xmlns="" w="9525">
                 <a:solidFill>
                   <a:srgbClr val="000000"/>
                 </a:solidFill>
@@ -3086,7 +3087,7 @@
             <a:fld id="{57302355-E14B-8545-A8F8-0FE83CC9D524}" type="datetimeFigureOut">
               <a:rPr lang="en-US" dirty="0"/>
               <a:pPr/>
-              <a:t>3/22/2018</a:t>
+              <a:t>3/28/2018</a:t>
             </a:fld>
             <a:endParaRPr lang="en-US" dirty="0"/>
           </a:p>
@@ -3237,7 +3238,7 @@
           <a:ln/>
           <a:extLst>
             <a:ext uri="{91240B29-F687-4f45-9708-019B960494DF}">
-              <a14:hiddenLine xmlns="" xmlns:a14="http://schemas.microsoft.com/office/drawing/2010/main" w="9525">
+              <a14:hiddenLine xmlns:a14="http://schemas.microsoft.com/office/drawing/2010/main" xmlns="" w="9525">
                 <a:solidFill>
                   <a:srgbClr val="000000"/>
                 </a:solidFill>
@@ -3560,7 +3561,7 @@
             <a:fld id="{02640F58-564D-2B4F-AE67-E407BA4FCF45}" type="datetimeFigureOut">
               <a:rPr lang="en-US" dirty="0"/>
               <a:pPr/>
-              <a:t>3/22/2018</a:t>
+              <a:t>3/28/2018</a:t>
             </a:fld>
             <a:endParaRPr lang="en-US" dirty="0"/>
           </a:p>
@@ -3711,7 +3712,7 @@
           <a:ln/>
           <a:extLst>
             <a:ext uri="{91240B29-F687-4f45-9708-019B960494DF}">
-              <a14:hiddenLine xmlns="" xmlns:a14="http://schemas.microsoft.com/office/drawing/2010/main" w="9525">
+              <a14:hiddenLine xmlns:a14="http://schemas.microsoft.com/office/drawing/2010/main" xmlns="" w="9525">
                 <a:solidFill>
                   <a:srgbClr val="000000"/>
                 </a:solidFill>
@@ -3778,7 +3779,7 @@
             <a:fld id="{F13A34C8-038E-2045-AF43-DF7DBB8E0E9E}" type="datetimeFigureOut">
               <a:rPr lang="en-US" dirty="0"/>
               <a:pPr/>
-              <a:t>3/22/2018</a:t>
+              <a:t>3/28/2018</a:t>
             </a:fld>
             <a:endParaRPr lang="en-US" dirty="0"/>
           </a:p>
@@ -3870,7 +3871,7 @@
             <a:fld id="{8818C68F-D26B-8F47-958C-23B49CF8A634}" type="datetimeFigureOut">
               <a:rPr lang="en-US" dirty="0"/>
               <a:pPr/>
-              <a:t>3/22/2018</a:t>
+              <a:t>3/28/2018</a:t>
             </a:fld>
             <a:endParaRPr lang="en-US" dirty="0"/>
           </a:p>
@@ -4134,7 +4135,7 @@
           <a:ln/>
           <a:extLst>
             <a:ext uri="{91240B29-F687-4f45-9708-019B960494DF}">
-              <a14:hiddenLine xmlns="" xmlns:a14="http://schemas.microsoft.com/office/drawing/2010/main" w="9525">
+              <a14:hiddenLine xmlns:a14="http://schemas.microsoft.com/office/drawing/2010/main" xmlns="" w="9525">
                 <a:solidFill>
                   <a:srgbClr val="000000"/>
                 </a:solidFill>
@@ -4334,7 +4335,7 @@
             <a:fld id="{D0DF5E60-9974-AC48-9591-99C2BB44B7CF}" type="datetimeFigureOut">
               <a:rPr lang="en-US" dirty="0"/>
               <a:pPr/>
-              <a:t>3/22/2018</a:t>
+              <a:t>3/28/2018</a:t>
             </a:fld>
             <a:endParaRPr lang="en-US" dirty="0"/>
           </a:p>
@@ -4644,7 +4645,7 @@
             <a:fld id="{18C79C5D-2A6F-F04D-97DA-BEF2467B64E4}" type="datetimeFigureOut">
               <a:rPr lang="en-US" dirty="0"/>
               <a:pPr/>
-              <a:t>3/22/2018</a:t>
+              <a:t>3/28/2018</a:t>
             </a:fld>
             <a:endParaRPr lang="en-US" dirty="0"/>
           </a:p>
@@ -4911,7 +4912,7 @@
             <a:fld id="{09B482E8-6E0E-1B4F-B1FD-C69DB9E858D9}" type="datetimeFigureOut">
               <a:rPr lang="en-US" dirty="0"/>
               <a:pPr/>
-              <a:t>3/22/2018</a:t>
+              <a:t>3/28/2018</a:t>
             </a:fld>
             <a:endParaRPr lang="en-US" dirty="0"/>
           </a:p>
@@ -5399,7 +5400,19 @@
           <a:p>
             <a:r>
               <a:rPr lang="en-US" sz="2400" dirty="0" smtClean="0"/>
-              <a:t>EDA and LR Modeling</a:t>
+              <a:t>EDA </a:t>
+            </a:r>
+            <a:r>
+              <a:rPr lang="en-US" sz="2400" dirty="0"/>
+              <a:t>&amp;</a:t>
+            </a:r>
+            <a:r>
+              <a:rPr lang="en-US" sz="2400" dirty="0" smtClean="0"/>
+              <a:t> </a:t>
+            </a:r>
+            <a:r>
+              <a:rPr lang="en-US" sz="2400" dirty="0" smtClean="0"/>
+              <a:t>LR Modeling</a:t>
             </a:r>
             <a:endParaRPr lang="en-US" sz="2400" dirty="0"/>
           </a:p>
@@ -6203,7 +6216,7 @@
       </p:grpSpPr>
       <p:pic>
         <p:nvPicPr>
-          <p:cNvPr id="11" name="Content Placeholder 4"/>
+          <p:cNvPr id="12" name="Content Placeholder 7"/>
           <p:cNvPicPr>
             <a:picLocks noChangeAspect="1"/>
           </p:cNvPicPr>
@@ -6217,8 +6230,8 @@
         </p:blipFill>
         <p:spPr>
           <a:xfrm>
-            <a:off x="6349846" y="2667130"/>
-            <a:ext cx="5190086" cy="3563562"/>
+            <a:off x="6359370" y="2667130"/>
+            <a:ext cx="5184775" cy="3622550"/>
           </a:xfrm>
           <a:prstGeom prst="rect">
             <a:avLst/>
@@ -6681,6 +6694,469 @@
           <a:chExt cx="0" cy="0"/>
         </a:xfrm>
       </p:grpSpPr>
+      <p:pic>
+        <p:nvPicPr>
+          <p:cNvPr id="11" name="Content Placeholder 4"/>
+          <p:cNvPicPr>
+            <a:picLocks noChangeAspect="1"/>
+          </p:cNvPicPr>
+          <p:nvPr/>
+        </p:nvPicPr>
+        <p:blipFill>
+          <a:blip r:embed="rId2"/>
+          <a:stretch>
+            <a:fillRect/>
+          </a:stretch>
+        </p:blipFill>
+        <p:spPr>
+          <a:xfrm>
+            <a:off x="6349846" y="2667130"/>
+            <a:ext cx="5190086" cy="3563562"/>
+          </a:xfrm>
+          <a:prstGeom prst="rect">
+            <a:avLst/>
+          </a:prstGeom>
+          <a:effectLst>
+            <a:outerShdw blurRad="50800" dir="14400000">
+              <a:srgbClr val="000000">
+                <a:alpha val="40000"/>
+              </a:srgbClr>
+            </a:outerShdw>
+          </a:effectLst>
+        </p:spPr>
+      </p:pic>
+      <p:sp>
+        <p:nvSpPr>
+          <p:cNvPr id="2" name="Title 1"/>
+          <p:cNvSpPr>
+            <a:spLocks noGrp="1"/>
+          </p:cNvSpPr>
+          <p:nvPr>
+            <p:ph type="title"/>
+          </p:nvPr>
+        </p:nvSpPr>
+        <p:spPr/>
+        <p:txBody>
+          <a:bodyPr/>
+          <a:lstStyle/>
+          <a:p>
+            <a:r>
+              <a:rPr lang="en-US" dirty="0" smtClean="0"/>
+              <a:t>Best model yet – time to apply it</a:t>
+            </a:r>
+            <a:endParaRPr lang="en-US" dirty="0"/>
+          </a:p>
+        </p:txBody>
+      </p:sp>
+      <p:pic>
+        <p:nvPicPr>
+          <p:cNvPr id="1026" name="Picture 2" descr="http://imgur.com/1ZcRyrc.png"/>
+          <p:cNvPicPr>
+            <a:picLocks noChangeAspect="1" noChangeArrowheads="1"/>
+          </p:cNvPicPr>
+          <p:nvPr/>
+        </p:nvPicPr>
+        <p:blipFill>
+          <a:blip r:embed="rId3">
+            <a:extLst>
+              <a:ext uri="{28A0092B-C50C-407E-A947-70E740481C1C}">
+                <a14:useLocalDpi xmlns:a14="http://schemas.microsoft.com/office/drawing/2010/main" val="0"/>
+              </a:ext>
+            </a:extLst>
+          </a:blip>
+          <a:srcRect/>
+          <a:stretch>
+            <a:fillRect/>
+          </a:stretch>
+        </p:blipFill>
+        <p:spPr bwMode="auto">
+          <a:xfrm>
+            <a:off x="27993" y="5839526"/>
+            <a:ext cx="978808" cy="990481"/>
+          </a:xfrm>
+          <a:prstGeom prst="rect">
+            <a:avLst/>
+          </a:prstGeom>
+          <a:noFill/>
+          <a:extLst>
+            <a:ext uri="{909E8E84-426E-40DD-AFC4-6F175D3DCCD1}">
+              <a14:hiddenFill xmlns:a14="http://schemas.microsoft.com/office/drawing/2010/main">
+                <a:solidFill>
+                  <a:srgbClr val="FFFFFF"/>
+                </a:solidFill>
+              </a14:hiddenFill>
+            </a:ext>
+          </a:extLst>
+        </p:spPr>
+      </p:pic>
+      <p:sp>
+        <p:nvSpPr>
+          <p:cNvPr id="7" name="Content Placeholder 2"/>
+          <p:cNvSpPr txBox="1">
+            <a:spLocks/>
+          </p:cNvSpPr>
+          <p:nvPr/>
+        </p:nvSpPr>
+        <p:spPr>
+          <a:xfrm>
+            <a:off x="1168186" y="2200762"/>
+            <a:ext cx="5185873" cy="3638763"/>
+          </a:xfrm>
+          <a:prstGeom prst="rect">
+            <a:avLst/>
+          </a:prstGeom>
+          <a:effectLst>
+            <a:outerShdw blurRad="50800" dir="14400000">
+              <a:srgbClr val="000000">
+                <a:alpha val="40000"/>
+              </a:srgbClr>
+            </a:outerShdw>
+          </a:effectLst>
+        </p:spPr>
+        <p:txBody>
+          <a:bodyPr vert="horz" lIns="91440" tIns="45720" rIns="91440" bIns="45720" rtlCol="0" anchor="t">
+            <a:normAutofit/>
+          </a:bodyPr>
+          <a:lstStyle>
+            <a:lvl1pPr marL="342900" indent="-342900" algn="l" defTabSz="457200" rtl="0" eaLnBrk="1" latinLnBrk="0" hangingPunct="1">
+              <a:spcBef>
+                <a:spcPct val="20000"/>
+              </a:spcBef>
+              <a:spcAft>
+                <a:spcPts val="600"/>
+              </a:spcAft>
+              <a:buClr>
+                <a:schemeClr val="accent1"/>
+              </a:buClr>
+              <a:buFont typeface="Wingdings 2" charset="2"/>
+              <a:buChar char=""/>
+              <a:defRPr sz="1800" kern="1200">
+                <a:solidFill>
+                  <a:schemeClr val="tx1"/>
+                </a:solidFill>
+                <a:latin typeface="+mn-lt"/>
+                <a:ea typeface="+mn-ea"/>
+                <a:cs typeface="+mn-cs"/>
+              </a:defRPr>
+            </a:lvl1pPr>
+            <a:lvl2pPr marL="742950" indent="-285750" algn="l" defTabSz="457200" rtl="0" eaLnBrk="1" latinLnBrk="0" hangingPunct="1">
+              <a:spcBef>
+                <a:spcPct val="20000"/>
+              </a:spcBef>
+              <a:spcAft>
+                <a:spcPts val="600"/>
+              </a:spcAft>
+              <a:buClr>
+                <a:schemeClr val="accent1"/>
+              </a:buClr>
+              <a:buFont typeface="Wingdings 2" charset="2"/>
+              <a:buChar char=""/>
+              <a:defRPr sz="1600" kern="1200">
+                <a:solidFill>
+                  <a:schemeClr val="tx1"/>
+                </a:solidFill>
+                <a:latin typeface="+mn-lt"/>
+                <a:ea typeface="+mn-ea"/>
+                <a:cs typeface="+mn-cs"/>
+              </a:defRPr>
+            </a:lvl2pPr>
+            <a:lvl3pPr marL="1143000" indent="-228600" algn="l" defTabSz="457200" rtl="0" eaLnBrk="1" latinLnBrk="0" hangingPunct="1">
+              <a:spcBef>
+                <a:spcPct val="20000"/>
+              </a:spcBef>
+              <a:spcAft>
+                <a:spcPts val="600"/>
+              </a:spcAft>
+              <a:buClr>
+                <a:schemeClr val="accent1"/>
+              </a:buClr>
+              <a:buFont typeface="Wingdings 2" charset="2"/>
+              <a:buChar char=""/>
+              <a:defRPr sz="1400" kern="1200">
+                <a:solidFill>
+                  <a:schemeClr val="tx1"/>
+                </a:solidFill>
+                <a:latin typeface="+mn-lt"/>
+                <a:ea typeface="+mn-ea"/>
+                <a:cs typeface="+mn-cs"/>
+              </a:defRPr>
+            </a:lvl3pPr>
+            <a:lvl4pPr marL="1600200" indent="-228600" algn="l" defTabSz="457200" rtl="0" eaLnBrk="1" latinLnBrk="0" hangingPunct="1">
+              <a:spcBef>
+                <a:spcPct val="20000"/>
+              </a:spcBef>
+              <a:spcAft>
+                <a:spcPts val="600"/>
+              </a:spcAft>
+              <a:buClr>
+                <a:schemeClr val="accent1"/>
+              </a:buClr>
+              <a:buFont typeface="Wingdings 2" charset="2"/>
+              <a:buChar char=""/>
+              <a:defRPr sz="1200" kern="1200">
+                <a:solidFill>
+                  <a:schemeClr val="tx1"/>
+                </a:solidFill>
+                <a:latin typeface="+mn-lt"/>
+                <a:ea typeface="+mn-ea"/>
+                <a:cs typeface="+mn-cs"/>
+              </a:defRPr>
+            </a:lvl4pPr>
+            <a:lvl5pPr marL="2057400" indent="-228600" algn="l" defTabSz="457200" rtl="0" eaLnBrk="1" latinLnBrk="0" hangingPunct="1">
+              <a:spcBef>
+                <a:spcPct val="20000"/>
+              </a:spcBef>
+              <a:spcAft>
+                <a:spcPts val="600"/>
+              </a:spcAft>
+              <a:buClr>
+                <a:schemeClr val="accent1"/>
+              </a:buClr>
+              <a:buFont typeface="Wingdings 2" charset="2"/>
+              <a:buChar char=""/>
+              <a:defRPr sz="1200" kern="1200">
+                <a:solidFill>
+                  <a:schemeClr val="tx1"/>
+                </a:solidFill>
+                <a:latin typeface="+mn-lt"/>
+                <a:ea typeface="+mn-ea"/>
+                <a:cs typeface="+mn-cs"/>
+              </a:defRPr>
+            </a:lvl5pPr>
+            <a:lvl6pPr marL="2400000" indent="-228600" algn="l" defTabSz="457200" rtl="0" eaLnBrk="1" latinLnBrk="0" hangingPunct="1">
+              <a:spcBef>
+                <a:spcPct val="20000"/>
+              </a:spcBef>
+              <a:spcAft>
+                <a:spcPts val="600"/>
+              </a:spcAft>
+              <a:buClr>
+                <a:schemeClr val="accent1"/>
+              </a:buClr>
+              <a:buFont typeface="Wingdings 2" charset="2"/>
+              <a:buChar char=""/>
+              <a:defRPr sz="1200" kern="1200">
+                <a:solidFill>
+                  <a:schemeClr val="tx1"/>
+                </a:solidFill>
+                <a:latin typeface="+mn-lt"/>
+                <a:ea typeface="+mn-ea"/>
+                <a:cs typeface="+mn-cs"/>
+              </a:defRPr>
+            </a:lvl6pPr>
+            <a:lvl7pPr marL="2800000" indent="-228600" algn="l" defTabSz="457200" rtl="0" eaLnBrk="1" latinLnBrk="0" hangingPunct="1">
+              <a:spcBef>
+                <a:spcPct val="20000"/>
+              </a:spcBef>
+              <a:spcAft>
+                <a:spcPts val="600"/>
+              </a:spcAft>
+              <a:buClr>
+                <a:schemeClr val="accent1"/>
+              </a:buClr>
+              <a:buFont typeface="Wingdings 2" charset="2"/>
+              <a:buChar char=""/>
+              <a:defRPr sz="1200" kern="1200">
+                <a:solidFill>
+                  <a:schemeClr val="tx1"/>
+                </a:solidFill>
+                <a:latin typeface="+mn-lt"/>
+                <a:ea typeface="+mn-ea"/>
+                <a:cs typeface="+mn-cs"/>
+              </a:defRPr>
+            </a:lvl7pPr>
+            <a:lvl8pPr marL="3200000" indent="-228600" algn="l" defTabSz="457200" rtl="0" eaLnBrk="1" latinLnBrk="0" hangingPunct="1">
+              <a:spcBef>
+                <a:spcPct val="20000"/>
+              </a:spcBef>
+              <a:spcAft>
+                <a:spcPts val="600"/>
+              </a:spcAft>
+              <a:buClr>
+                <a:schemeClr val="accent1"/>
+              </a:buClr>
+              <a:buFont typeface="Wingdings 2" charset="2"/>
+              <a:buChar char=""/>
+              <a:defRPr sz="1200" kern="1200">
+                <a:solidFill>
+                  <a:schemeClr val="tx1"/>
+                </a:solidFill>
+                <a:latin typeface="+mn-lt"/>
+                <a:ea typeface="+mn-ea"/>
+                <a:cs typeface="+mn-cs"/>
+              </a:defRPr>
+            </a:lvl8pPr>
+            <a:lvl9pPr marL="3600000" indent="-228600" algn="l" defTabSz="457200" rtl="0" eaLnBrk="1" latinLnBrk="0" hangingPunct="1">
+              <a:spcBef>
+                <a:spcPct val="20000"/>
+              </a:spcBef>
+              <a:spcAft>
+                <a:spcPts val="600"/>
+              </a:spcAft>
+              <a:buClr>
+                <a:schemeClr val="accent1"/>
+              </a:buClr>
+              <a:buFont typeface="Wingdings 2" charset="2"/>
+              <a:buChar char=""/>
+              <a:defRPr sz="1200" kern="1200">
+                <a:solidFill>
+                  <a:schemeClr val="tx1"/>
+                </a:solidFill>
+                <a:latin typeface="+mn-lt"/>
+                <a:ea typeface="+mn-ea"/>
+                <a:cs typeface="+mn-cs"/>
+              </a:defRPr>
+            </a:lvl9pPr>
+          </a:lstStyle>
+          <a:p>
+            <a:r>
+              <a:rPr lang="en-US" dirty="0" smtClean="0">
+                <a:solidFill>
+                  <a:schemeClr val="bg1"/>
+                </a:solidFill>
+              </a:rPr>
+              <a:t>RMSE</a:t>
+            </a:r>
+            <a:endParaRPr lang="en-US" dirty="0">
+              <a:solidFill>
+                <a:schemeClr val="bg1"/>
+              </a:solidFill>
+            </a:endParaRPr>
+          </a:p>
+        </p:txBody>
+      </p:sp>
+      <p:sp>
+        <p:nvSpPr>
+          <p:cNvPr id="10" name="Rounded Rectangle 9"/>
+          <p:cNvSpPr/>
+          <p:nvPr/>
+        </p:nvSpPr>
+        <p:spPr>
+          <a:xfrm>
+            <a:off x="1168186" y="5137597"/>
+            <a:ext cx="1047792" cy="274662"/>
+          </a:xfrm>
+          <a:prstGeom prst="roundRect">
+            <a:avLst/>
+          </a:prstGeom>
+          <a:noFill/>
+          <a:ln w="38100"/>
+        </p:spPr>
+        <p:style>
+          <a:lnRef idx="2">
+            <a:schemeClr val="accent1">
+              <a:shade val="50000"/>
+            </a:schemeClr>
+          </a:lnRef>
+          <a:fillRef idx="1">
+            <a:schemeClr val="accent1"/>
+          </a:fillRef>
+          <a:effectRef idx="0">
+            <a:schemeClr val="accent1"/>
+          </a:effectRef>
+          <a:fontRef idx="minor">
+            <a:schemeClr val="lt1"/>
+          </a:fontRef>
+        </p:style>
+        <p:txBody>
+          <a:bodyPr rtlCol="0" anchor="ctr"/>
+          <a:lstStyle/>
+          <a:p>
+            <a:pPr algn="ctr"/>
+            <a:endParaRPr lang="en-US"/>
+          </a:p>
+        </p:txBody>
+      </p:sp>
+      <p:sp>
+        <p:nvSpPr>
+          <p:cNvPr id="4" name="Content Placeholder 3"/>
+          <p:cNvSpPr>
+            <a:spLocks noGrp="1"/>
+          </p:cNvSpPr>
+          <p:nvPr>
+            <p:ph sz="half" idx="2"/>
+          </p:nvPr>
+        </p:nvSpPr>
+        <p:spPr/>
+        <p:txBody>
+          <a:bodyPr/>
+          <a:lstStyle/>
+          <a:p>
+            <a:endParaRPr lang="en-US" dirty="0"/>
+          </a:p>
+        </p:txBody>
+      </p:sp>
+      <p:pic>
+        <p:nvPicPr>
+          <p:cNvPr id="8" name="Content Placeholder 7"/>
+          <p:cNvPicPr>
+            <a:picLocks noGrp="1" noChangeAspect="1"/>
+          </p:cNvPicPr>
+          <p:nvPr>
+            <p:ph sz="half" idx="1"/>
+          </p:nvPr>
+        </p:nvPicPr>
+        <p:blipFill>
+          <a:blip r:embed="rId4"/>
+          <a:stretch>
+            <a:fillRect/>
+          </a:stretch>
+        </p:blipFill>
+        <p:spPr>
+          <a:xfrm>
+            <a:off x="819150" y="2230500"/>
+            <a:ext cx="5184775" cy="3622550"/>
+          </a:xfrm>
+          <a:prstGeom prst="rect">
+            <a:avLst/>
+          </a:prstGeom>
+        </p:spPr>
+      </p:pic>
+    </p:spTree>
+    <p:extLst>
+      <p:ext uri="{BB962C8B-B14F-4D97-AF65-F5344CB8AC3E}">
+        <p14:creationId xmlns:p14="http://schemas.microsoft.com/office/powerpoint/2010/main" val="2201162347"/>
+      </p:ext>
+    </p:extLst>
+  </p:cSld>
+  <p:clrMapOvr>
+    <a:masterClrMapping/>
+  </p:clrMapOvr>
+  <p:timing>
+    <p:tnLst>
+      <p:par>
+        <p:cTn id="1" dur="indefinite" restart="never" nodeType="tmRoot"/>
+      </p:par>
+    </p:tnLst>
+  </p:timing>
+</p:sld>
+</file>
+
+<file path=ppt/slides/slide13.xml><?xml version="1.0" encoding="utf-8"?>
+<p:sld xmlns:a="http://schemas.openxmlformats.org/drawingml/2006/main" xmlns:r="http://schemas.openxmlformats.org/officeDocument/2006/relationships" xmlns:p="http://schemas.openxmlformats.org/presentationml/2006/main">
+  <p:cSld>
+    <p:bg>
+      <p:bgPr>
+        <a:solidFill>
+          <a:schemeClr val="tx1"/>
+        </a:solidFill>
+        <a:effectLst/>
+      </p:bgPr>
+    </p:bg>
+    <p:spTree>
+      <p:nvGrpSpPr>
+        <p:cNvPr id="1" name=""/>
+        <p:cNvGrpSpPr/>
+        <p:nvPr/>
+      </p:nvGrpSpPr>
+      <p:grpSpPr>
+        <a:xfrm>
+          <a:off x="0" y="0"/>
+          <a:ext cx="0" cy="0"/>
+          <a:chOff x="0" y="0"/>
+          <a:chExt cx="0" cy="0"/>
+        </a:xfrm>
+      </p:grpSpPr>
       <p:sp>
         <p:nvSpPr>
           <p:cNvPr id="2" name="Title 1"/>
@@ -6832,7 +7308,7 @@
 </p:sld>
 </file>
 
-<file path=ppt/slides/slide13.xml><?xml version="1.0" encoding="utf-8"?>
+<file path=ppt/slides/slide14.xml><?xml version="1.0" encoding="utf-8"?>
 <p:sld xmlns:a="http://schemas.openxmlformats.org/drawingml/2006/main" xmlns:r="http://schemas.openxmlformats.org/officeDocument/2006/relationships" xmlns:p="http://schemas.openxmlformats.org/presentationml/2006/main">
   <p:cSld>
     <p:bg>

--- a/Automobile Fuel Economy.pptx
+++ b/Automobile Fuel Economy.pptx
@@ -16,9 +16,8 @@
     <p:sldId id="266" r:id="rId10"/>
     <p:sldId id="265" r:id="rId11"/>
     <p:sldId id="267" r:id="rId12"/>
-    <p:sldId id="276" r:id="rId13"/>
-    <p:sldId id="270" r:id="rId14"/>
-    <p:sldId id="275" r:id="rId15"/>
+    <p:sldId id="270" r:id="rId13"/>
+    <p:sldId id="275" r:id="rId14"/>
   </p:sldIdLst>
   <p:sldSz cx="12192000" cy="6858000"/>
   <p:notesSz cx="6858000" cy="9144000"/>
@@ -220,7 +219,7 @@
           <a:effectLst/>
           <a:extLst>
             <a:ext uri="{91240B29-F687-4f45-9708-019B960494DF}">
-              <a14:hiddenLine xmlns:a14="http://schemas.microsoft.com/office/drawing/2010/main" xmlns="" w="9525">
+              <a14:hiddenLine xmlns="" xmlns:a14="http://schemas.microsoft.com/office/drawing/2010/main" w="9525">
                 <a:solidFill>
                   <a:srgbClr val="000000"/>
                 </a:solidFill>
@@ -1730,7 +1729,7 @@
           <a:ln/>
           <a:extLst>
             <a:ext uri="{91240B29-F687-4f45-9708-019B960494DF}">
-              <a14:hiddenLine xmlns:a14="http://schemas.microsoft.com/office/drawing/2010/main" xmlns="" w="9525">
+              <a14:hiddenLine xmlns="" xmlns:a14="http://schemas.microsoft.com/office/drawing/2010/main" w="9525">
                 <a:solidFill>
                   <a:srgbClr val="000000"/>
                 </a:solidFill>
@@ -2002,7 +2001,7 @@
           <a:ln/>
           <a:extLst>
             <a:ext uri="{91240B29-F687-4f45-9708-019B960494DF}">
-              <a14:hiddenLine xmlns:a14="http://schemas.microsoft.com/office/drawing/2010/main" xmlns="" w="9525">
+              <a14:hiddenLine xmlns="" xmlns:a14="http://schemas.microsoft.com/office/drawing/2010/main" w="9525">
                 <a:solidFill>
                   <a:srgbClr val="000000"/>
                 </a:solidFill>
@@ -2282,7 +2281,7 @@
           <a:ln/>
           <a:extLst>
             <a:ext uri="{91240B29-F687-4f45-9708-019B960494DF}">
-              <a14:hiddenLine xmlns:a14="http://schemas.microsoft.com/office/drawing/2010/main" xmlns="" w="9525">
+              <a14:hiddenLine xmlns="" xmlns:a14="http://schemas.microsoft.com/office/drawing/2010/main" w="9525">
                 <a:solidFill>
                   <a:srgbClr val="000000"/>
                 </a:solidFill>
@@ -2902,7 +2901,7 @@
           <a:ln/>
           <a:extLst>
             <a:ext uri="{91240B29-F687-4f45-9708-019B960494DF}">
-              <a14:hiddenLine xmlns:a14="http://schemas.microsoft.com/office/drawing/2010/main" xmlns="" w="9525">
+              <a14:hiddenLine xmlns="" xmlns:a14="http://schemas.microsoft.com/office/drawing/2010/main" w="9525">
                 <a:solidFill>
                   <a:srgbClr val="000000"/>
                 </a:solidFill>
@@ -3238,7 +3237,7 @@
           <a:ln/>
           <a:extLst>
             <a:ext uri="{91240B29-F687-4f45-9708-019B960494DF}">
-              <a14:hiddenLine xmlns:a14="http://schemas.microsoft.com/office/drawing/2010/main" xmlns="" w="9525">
+              <a14:hiddenLine xmlns="" xmlns:a14="http://schemas.microsoft.com/office/drawing/2010/main" w="9525">
                 <a:solidFill>
                   <a:srgbClr val="000000"/>
                 </a:solidFill>
@@ -3712,7 +3711,7 @@
           <a:ln/>
           <a:extLst>
             <a:ext uri="{91240B29-F687-4f45-9708-019B960494DF}">
-              <a14:hiddenLine xmlns:a14="http://schemas.microsoft.com/office/drawing/2010/main" xmlns="" w="9525">
+              <a14:hiddenLine xmlns="" xmlns:a14="http://schemas.microsoft.com/office/drawing/2010/main" w="9525">
                 <a:solidFill>
                   <a:srgbClr val="000000"/>
                 </a:solidFill>
@@ -4135,7 +4134,7 @@
           <a:ln/>
           <a:extLst>
             <a:ext uri="{91240B29-F687-4f45-9708-019B960494DF}">
-              <a14:hiddenLine xmlns:a14="http://schemas.microsoft.com/office/drawing/2010/main" xmlns="" w="9525">
+              <a14:hiddenLine xmlns="" xmlns:a14="http://schemas.microsoft.com/office/drawing/2010/main" w="9525">
                 <a:solidFill>
                   <a:srgbClr val="000000"/>
                 </a:solidFill>
@@ -5408,11 +5407,7 @@
             </a:r>
             <a:r>
               <a:rPr lang="en-US" sz="2400" dirty="0" smtClean="0"/>
-              <a:t> </a:t>
-            </a:r>
-            <a:r>
-              <a:rPr lang="en-US" sz="2400" dirty="0" smtClean="0"/>
-              <a:t>LR Modeling</a:t>
+              <a:t> LR Modeling</a:t>
             </a:r>
             <a:endParaRPr lang="en-US" sz="2400" dirty="0"/>
           </a:p>
@@ -6694,469 +6689,6 @@
           <a:chExt cx="0" cy="0"/>
         </a:xfrm>
       </p:grpSpPr>
-      <p:pic>
-        <p:nvPicPr>
-          <p:cNvPr id="11" name="Content Placeholder 4"/>
-          <p:cNvPicPr>
-            <a:picLocks noChangeAspect="1"/>
-          </p:cNvPicPr>
-          <p:nvPr/>
-        </p:nvPicPr>
-        <p:blipFill>
-          <a:blip r:embed="rId2"/>
-          <a:stretch>
-            <a:fillRect/>
-          </a:stretch>
-        </p:blipFill>
-        <p:spPr>
-          <a:xfrm>
-            <a:off x="6349846" y="2667130"/>
-            <a:ext cx="5190086" cy="3563562"/>
-          </a:xfrm>
-          <a:prstGeom prst="rect">
-            <a:avLst/>
-          </a:prstGeom>
-          <a:effectLst>
-            <a:outerShdw blurRad="50800" dir="14400000">
-              <a:srgbClr val="000000">
-                <a:alpha val="40000"/>
-              </a:srgbClr>
-            </a:outerShdw>
-          </a:effectLst>
-        </p:spPr>
-      </p:pic>
-      <p:sp>
-        <p:nvSpPr>
-          <p:cNvPr id="2" name="Title 1"/>
-          <p:cNvSpPr>
-            <a:spLocks noGrp="1"/>
-          </p:cNvSpPr>
-          <p:nvPr>
-            <p:ph type="title"/>
-          </p:nvPr>
-        </p:nvSpPr>
-        <p:spPr/>
-        <p:txBody>
-          <a:bodyPr/>
-          <a:lstStyle/>
-          <a:p>
-            <a:r>
-              <a:rPr lang="en-US" dirty="0" smtClean="0"/>
-              <a:t>Best model yet – time to apply it</a:t>
-            </a:r>
-            <a:endParaRPr lang="en-US" dirty="0"/>
-          </a:p>
-        </p:txBody>
-      </p:sp>
-      <p:pic>
-        <p:nvPicPr>
-          <p:cNvPr id="1026" name="Picture 2" descr="http://imgur.com/1ZcRyrc.png"/>
-          <p:cNvPicPr>
-            <a:picLocks noChangeAspect="1" noChangeArrowheads="1"/>
-          </p:cNvPicPr>
-          <p:nvPr/>
-        </p:nvPicPr>
-        <p:blipFill>
-          <a:blip r:embed="rId3">
-            <a:extLst>
-              <a:ext uri="{28A0092B-C50C-407E-A947-70E740481C1C}">
-                <a14:useLocalDpi xmlns:a14="http://schemas.microsoft.com/office/drawing/2010/main" val="0"/>
-              </a:ext>
-            </a:extLst>
-          </a:blip>
-          <a:srcRect/>
-          <a:stretch>
-            <a:fillRect/>
-          </a:stretch>
-        </p:blipFill>
-        <p:spPr bwMode="auto">
-          <a:xfrm>
-            <a:off x="27993" y="5839526"/>
-            <a:ext cx="978808" cy="990481"/>
-          </a:xfrm>
-          <a:prstGeom prst="rect">
-            <a:avLst/>
-          </a:prstGeom>
-          <a:noFill/>
-          <a:extLst>
-            <a:ext uri="{909E8E84-426E-40DD-AFC4-6F175D3DCCD1}">
-              <a14:hiddenFill xmlns:a14="http://schemas.microsoft.com/office/drawing/2010/main">
-                <a:solidFill>
-                  <a:srgbClr val="FFFFFF"/>
-                </a:solidFill>
-              </a14:hiddenFill>
-            </a:ext>
-          </a:extLst>
-        </p:spPr>
-      </p:pic>
-      <p:sp>
-        <p:nvSpPr>
-          <p:cNvPr id="7" name="Content Placeholder 2"/>
-          <p:cNvSpPr txBox="1">
-            <a:spLocks/>
-          </p:cNvSpPr>
-          <p:nvPr/>
-        </p:nvSpPr>
-        <p:spPr>
-          <a:xfrm>
-            <a:off x="1168186" y="2200762"/>
-            <a:ext cx="5185873" cy="3638763"/>
-          </a:xfrm>
-          <a:prstGeom prst="rect">
-            <a:avLst/>
-          </a:prstGeom>
-          <a:effectLst>
-            <a:outerShdw blurRad="50800" dir="14400000">
-              <a:srgbClr val="000000">
-                <a:alpha val="40000"/>
-              </a:srgbClr>
-            </a:outerShdw>
-          </a:effectLst>
-        </p:spPr>
-        <p:txBody>
-          <a:bodyPr vert="horz" lIns="91440" tIns="45720" rIns="91440" bIns="45720" rtlCol="0" anchor="t">
-            <a:normAutofit/>
-          </a:bodyPr>
-          <a:lstStyle>
-            <a:lvl1pPr marL="342900" indent="-342900" algn="l" defTabSz="457200" rtl="0" eaLnBrk="1" latinLnBrk="0" hangingPunct="1">
-              <a:spcBef>
-                <a:spcPct val="20000"/>
-              </a:spcBef>
-              <a:spcAft>
-                <a:spcPts val="600"/>
-              </a:spcAft>
-              <a:buClr>
-                <a:schemeClr val="accent1"/>
-              </a:buClr>
-              <a:buFont typeface="Wingdings 2" charset="2"/>
-              <a:buChar char=""/>
-              <a:defRPr sz="1800" kern="1200">
-                <a:solidFill>
-                  <a:schemeClr val="tx1"/>
-                </a:solidFill>
-                <a:latin typeface="+mn-lt"/>
-                <a:ea typeface="+mn-ea"/>
-                <a:cs typeface="+mn-cs"/>
-              </a:defRPr>
-            </a:lvl1pPr>
-            <a:lvl2pPr marL="742950" indent="-285750" algn="l" defTabSz="457200" rtl="0" eaLnBrk="1" latinLnBrk="0" hangingPunct="1">
-              <a:spcBef>
-                <a:spcPct val="20000"/>
-              </a:spcBef>
-              <a:spcAft>
-                <a:spcPts val="600"/>
-              </a:spcAft>
-              <a:buClr>
-                <a:schemeClr val="accent1"/>
-              </a:buClr>
-              <a:buFont typeface="Wingdings 2" charset="2"/>
-              <a:buChar char=""/>
-              <a:defRPr sz="1600" kern="1200">
-                <a:solidFill>
-                  <a:schemeClr val="tx1"/>
-                </a:solidFill>
-                <a:latin typeface="+mn-lt"/>
-                <a:ea typeface="+mn-ea"/>
-                <a:cs typeface="+mn-cs"/>
-              </a:defRPr>
-            </a:lvl2pPr>
-            <a:lvl3pPr marL="1143000" indent="-228600" algn="l" defTabSz="457200" rtl="0" eaLnBrk="1" latinLnBrk="0" hangingPunct="1">
-              <a:spcBef>
-                <a:spcPct val="20000"/>
-              </a:spcBef>
-              <a:spcAft>
-                <a:spcPts val="600"/>
-              </a:spcAft>
-              <a:buClr>
-                <a:schemeClr val="accent1"/>
-              </a:buClr>
-              <a:buFont typeface="Wingdings 2" charset="2"/>
-              <a:buChar char=""/>
-              <a:defRPr sz="1400" kern="1200">
-                <a:solidFill>
-                  <a:schemeClr val="tx1"/>
-                </a:solidFill>
-                <a:latin typeface="+mn-lt"/>
-                <a:ea typeface="+mn-ea"/>
-                <a:cs typeface="+mn-cs"/>
-              </a:defRPr>
-            </a:lvl3pPr>
-            <a:lvl4pPr marL="1600200" indent="-228600" algn="l" defTabSz="457200" rtl="0" eaLnBrk="1" latinLnBrk="0" hangingPunct="1">
-              <a:spcBef>
-                <a:spcPct val="20000"/>
-              </a:spcBef>
-              <a:spcAft>
-                <a:spcPts val="600"/>
-              </a:spcAft>
-              <a:buClr>
-                <a:schemeClr val="accent1"/>
-              </a:buClr>
-              <a:buFont typeface="Wingdings 2" charset="2"/>
-              <a:buChar char=""/>
-              <a:defRPr sz="1200" kern="1200">
-                <a:solidFill>
-                  <a:schemeClr val="tx1"/>
-                </a:solidFill>
-                <a:latin typeface="+mn-lt"/>
-                <a:ea typeface="+mn-ea"/>
-                <a:cs typeface="+mn-cs"/>
-              </a:defRPr>
-            </a:lvl4pPr>
-            <a:lvl5pPr marL="2057400" indent="-228600" algn="l" defTabSz="457200" rtl="0" eaLnBrk="1" latinLnBrk="0" hangingPunct="1">
-              <a:spcBef>
-                <a:spcPct val="20000"/>
-              </a:spcBef>
-              <a:spcAft>
-                <a:spcPts val="600"/>
-              </a:spcAft>
-              <a:buClr>
-                <a:schemeClr val="accent1"/>
-              </a:buClr>
-              <a:buFont typeface="Wingdings 2" charset="2"/>
-              <a:buChar char=""/>
-              <a:defRPr sz="1200" kern="1200">
-                <a:solidFill>
-                  <a:schemeClr val="tx1"/>
-                </a:solidFill>
-                <a:latin typeface="+mn-lt"/>
-                <a:ea typeface="+mn-ea"/>
-                <a:cs typeface="+mn-cs"/>
-              </a:defRPr>
-            </a:lvl5pPr>
-            <a:lvl6pPr marL="2400000" indent="-228600" algn="l" defTabSz="457200" rtl="0" eaLnBrk="1" latinLnBrk="0" hangingPunct="1">
-              <a:spcBef>
-                <a:spcPct val="20000"/>
-              </a:spcBef>
-              <a:spcAft>
-                <a:spcPts val="600"/>
-              </a:spcAft>
-              <a:buClr>
-                <a:schemeClr val="accent1"/>
-              </a:buClr>
-              <a:buFont typeface="Wingdings 2" charset="2"/>
-              <a:buChar char=""/>
-              <a:defRPr sz="1200" kern="1200">
-                <a:solidFill>
-                  <a:schemeClr val="tx1"/>
-                </a:solidFill>
-                <a:latin typeface="+mn-lt"/>
-                <a:ea typeface="+mn-ea"/>
-                <a:cs typeface="+mn-cs"/>
-              </a:defRPr>
-            </a:lvl6pPr>
-            <a:lvl7pPr marL="2800000" indent="-228600" algn="l" defTabSz="457200" rtl="0" eaLnBrk="1" latinLnBrk="0" hangingPunct="1">
-              <a:spcBef>
-                <a:spcPct val="20000"/>
-              </a:spcBef>
-              <a:spcAft>
-                <a:spcPts val="600"/>
-              </a:spcAft>
-              <a:buClr>
-                <a:schemeClr val="accent1"/>
-              </a:buClr>
-              <a:buFont typeface="Wingdings 2" charset="2"/>
-              <a:buChar char=""/>
-              <a:defRPr sz="1200" kern="1200">
-                <a:solidFill>
-                  <a:schemeClr val="tx1"/>
-                </a:solidFill>
-                <a:latin typeface="+mn-lt"/>
-                <a:ea typeface="+mn-ea"/>
-                <a:cs typeface="+mn-cs"/>
-              </a:defRPr>
-            </a:lvl7pPr>
-            <a:lvl8pPr marL="3200000" indent="-228600" algn="l" defTabSz="457200" rtl="0" eaLnBrk="1" latinLnBrk="0" hangingPunct="1">
-              <a:spcBef>
-                <a:spcPct val="20000"/>
-              </a:spcBef>
-              <a:spcAft>
-                <a:spcPts val="600"/>
-              </a:spcAft>
-              <a:buClr>
-                <a:schemeClr val="accent1"/>
-              </a:buClr>
-              <a:buFont typeface="Wingdings 2" charset="2"/>
-              <a:buChar char=""/>
-              <a:defRPr sz="1200" kern="1200">
-                <a:solidFill>
-                  <a:schemeClr val="tx1"/>
-                </a:solidFill>
-                <a:latin typeface="+mn-lt"/>
-                <a:ea typeface="+mn-ea"/>
-                <a:cs typeface="+mn-cs"/>
-              </a:defRPr>
-            </a:lvl8pPr>
-            <a:lvl9pPr marL="3600000" indent="-228600" algn="l" defTabSz="457200" rtl="0" eaLnBrk="1" latinLnBrk="0" hangingPunct="1">
-              <a:spcBef>
-                <a:spcPct val="20000"/>
-              </a:spcBef>
-              <a:spcAft>
-                <a:spcPts val="600"/>
-              </a:spcAft>
-              <a:buClr>
-                <a:schemeClr val="accent1"/>
-              </a:buClr>
-              <a:buFont typeface="Wingdings 2" charset="2"/>
-              <a:buChar char=""/>
-              <a:defRPr sz="1200" kern="1200">
-                <a:solidFill>
-                  <a:schemeClr val="tx1"/>
-                </a:solidFill>
-                <a:latin typeface="+mn-lt"/>
-                <a:ea typeface="+mn-ea"/>
-                <a:cs typeface="+mn-cs"/>
-              </a:defRPr>
-            </a:lvl9pPr>
-          </a:lstStyle>
-          <a:p>
-            <a:r>
-              <a:rPr lang="en-US" dirty="0" smtClean="0">
-                <a:solidFill>
-                  <a:schemeClr val="bg1"/>
-                </a:solidFill>
-              </a:rPr>
-              <a:t>RMSE</a:t>
-            </a:r>
-            <a:endParaRPr lang="en-US" dirty="0">
-              <a:solidFill>
-                <a:schemeClr val="bg1"/>
-              </a:solidFill>
-            </a:endParaRPr>
-          </a:p>
-        </p:txBody>
-      </p:sp>
-      <p:sp>
-        <p:nvSpPr>
-          <p:cNvPr id="10" name="Rounded Rectangle 9"/>
-          <p:cNvSpPr/>
-          <p:nvPr/>
-        </p:nvSpPr>
-        <p:spPr>
-          <a:xfrm>
-            <a:off x="1168186" y="5137597"/>
-            <a:ext cx="1047792" cy="274662"/>
-          </a:xfrm>
-          <a:prstGeom prst="roundRect">
-            <a:avLst/>
-          </a:prstGeom>
-          <a:noFill/>
-          <a:ln w="38100"/>
-        </p:spPr>
-        <p:style>
-          <a:lnRef idx="2">
-            <a:schemeClr val="accent1">
-              <a:shade val="50000"/>
-            </a:schemeClr>
-          </a:lnRef>
-          <a:fillRef idx="1">
-            <a:schemeClr val="accent1"/>
-          </a:fillRef>
-          <a:effectRef idx="0">
-            <a:schemeClr val="accent1"/>
-          </a:effectRef>
-          <a:fontRef idx="minor">
-            <a:schemeClr val="lt1"/>
-          </a:fontRef>
-        </p:style>
-        <p:txBody>
-          <a:bodyPr rtlCol="0" anchor="ctr"/>
-          <a:lstStyle/>
-          <a:p>
-            <a:pPr algn="ctr"/>
-            <a:endParaRPr lang="en-US"/>
-          </a:p>
-        </p:txBody>
-      </p:sp>
-      <p:sp>
-        <p:nvSpPr>
-          <p:cNvPr id="4" name="Content Placeholder 3"/>
-          <p:cNvSpPr>
-            <a:spLocks noGrp="1"/>
-          </p:cNvSpPr>
-          <p:nvPr>
-            <p:ph sz="half" idx="2"/>
-          </p:nvPr>
-        </p:nvSpPr>
-        <p:spPr/>
-        <p:txBody>
-          <a:bodyPr/>
-          <a:lstStyle/>
-          <a:p>
-            <a:endParaRPr lang="en-US" dirty="0"/>
-          </a:p>
-        </p:txBody>
-      </p:sp>
-      <p:pic>
-        <p:nvPicPr>
-          <p:cNvPr id="8" name="Content Placeholder 7"/>
-          <p:cNvPicPr>
-            <a:picLocks noGrp="1" noChangeAspect="1"/>
-          </p:cNvPicPr>
-          <p:nvPr>
-            <p:ph sz="half" idx="1"/>
-          </p:nvPr>
-        </p:nvPicPr>
-        <p:blipFill>
-          <a:blip r:embed="rId4"/>
-          <a:stretch>
-            <a:fillRect/>
-          </a:stretch>
-        </p:blipFill>
-        <p:spPr>
-          <a:xfrm>
-            <a:off x="819150" y="2230500"/>
-            <a:ext cx="5184775" cy="3622550"/>
-          </a:xfrm>
-          <a:prstGeom prst="rect">
-            <a:avLst/>
-          </a:prstGeom>
-        </p:spPr>
-      </p:pic>
-    </p:spTree>
-    <p:extLst>
-      <p:ext uri="{BB962C8B-B14F-4D97-AF65-F5344CB8AC3E}">
-        <p14:creationId xmlns:p14="http://schemas.microsoft.com/office/powerpoint/2010/main" val="2201162347"/>
-      </p:ext>
-    </p:extLst>
-  </p:cSld>
-  <p:clrMapOvr>
-    <a:masterClrMapping/>
-  </p:clrMapOvr>
-  <p:timing>
-    <p:tnLst>
-      <p:par>
-        <p:cTn id="1" dur="indefinite" restart="never" nodeType="tmRoot"/>
-      </p:par>
-    </p:tnLst>
-  </p:timing>
-</p:sld>
-</file>
-
-<file path=ppt/slides/slide13.xml><?xml version="1.0" encoding="utf-8"?>
-<p:sld xmlns:a="http://schemas.openxmlformats.org/drawingml/2006/main" xmlns:r="http://schemas.openxmlformats.org/officeDocument/2006/relationships" xmlns:p="http://schemas.openxmlformats.org/presentationml/2006/main">
-  <p:cSld>
-    <p:bg>
-      <p:bgPr>
-        <a:solidFill>
-          <a:schemeClr val="tx1"/>
-        </a:solidFill>
-        <a:effectLst/>
-      </p:bgPr>
-    </p:bg>
-    <p:spTree>
-      <p:nvGrpSpPr>
-        <p:cNvPr id="1" name=""/>
-        <p:cNvGrpSpPr/>
-        <p:nvPr/>
-      </p:nvGrpSpPr>
-      <p:grpSpPr>
-        <a:xfrm>
-          <a:off x="0" y="0"/>
-          <a:ext cx="0" cy="0"/>
-          <a:chOff x="0" y="0"/>
-          <a:chExt cx="0" cy="0"/>
-        </a:xfrm>
-      </p:grpSpPr>
       <p:sp>
         <p:nvSpPr>
           <p:cNvPr id="2" name="Title 1"/>
@@ -7308,7 +6840,7 @@
 </p:sld>
 </file>
 
-<file path=ppt/slides/slide14.xml><?xml version="1.0" encoding="utf-8"?>
+<file path=ppt/slides/slide13.xml><?xml version="1.0" encoding="utf-8"?>
 <p:sld xmlns:a="http://schemas.openxmlformats.org/drawingml/2006/main" xmlns:r="http://schemas.openxmlformats.org/officeDocument/2006/relationships" xmlns:p="http://schemas.openxmlformats.org/presentationml/2006/main">
   <p:cSld>
     <p:bg>

--- a/Automobile Fuel Economy.pptx
+++ b/Automobile Fuel Economy.pptx
@@ -219,7 +219,7 @@
           <a:effectLst/>
           <a:extLst>
             <a:ext uri="{91240B29-F687-4f45-9708-019B960494DF}">
-              <a14:hiddenLine xmlns="" xmlns:a14="http://schemas.microsoft.com/office/drawing/2010/main" w="9525">
+              <a14:hiddenLine xmlns:a14="http://schemas.microsoft.com/office/drawing/2010/main" xmlns="" w="9525">
                 <a:solidFill>
                   <a:srgbClr val="000000"/>
                 </a:solidFill>
@@ -1729,7 +1729,7 @@
           <a:ln/>
           <a:extLst>
             <a:ext uri="{91240B29-F687-4f45-9708-019B960494DF}">
-              <a14:hiddenLine xmlns="" xmlns:a14="http://schemas.microsoft.com/office/drawing/2010/main" w="9525">
+              <a14:hiddenLine xmlns:a14="http://schemas.microsoft.com/office/drawing/2010/main" xmlns="" w="9525">
                 <a:solidFill>
                   <a:srgbClr val="000000"/>
                 </a:solidFill>
@@ -2001,7 +2001,7 @@
           <a:ln/>
           <a:extLst>
             <a:ext uri="{91240B29-F687-4f45-9708-019B960494DF}">
-              <a14:hiddenLine xmlns="" xmlns:a14="http://schemas.microsoft.com/office/drawing/2010/main" w="9525">
+              <a14:hiddenLine xmlns:a14="http://schemas.microsoft.com/office/drawing/2010/main" xmlns="" w="9525">
                 <a:solidFill>
                   <a:srgbClr val="000000"/>
                 </a:solidFill>
@@ -2281,7 +2281,7 @@
           <a:ln/>
           <a:extLst>
             <a:ext uri="{91240B29-F687-4f45-9708-019B960494DF}">
-              <a14:hiddenLine xmlns="" xmlns:a14="http://schemas.microsoft.com/office/drawing/2010/main" w="9525">
+              <a14:hiddenLine xmlns:a14="http://schemas.microsoft.com/office/drawing/2010/main" xmlns="" w="9525">
                 <a:solidFill>
                   <a:srgbClr val="000000"/>
                 </a:solidFill>
@@ -2901,7 +2901,7 @@
           <a:ln/>
           <a:extLst>
             <a:ext uri="{91240B29-F687-4f45-9708-019B960494DF}">
-              <a14:hiddenLine xmlns="" xmlns:a14="http://schemas.microsoft.com/office/drawing/2010/main" w="9525">
+              <a14:hiddenLine xmlns:a14="http://schemas.microsoft.com/office/drawing/2010/main" xmlns="" w="9525">
                 <a:solidFill>
                   <a:srgbClr val="000000"/>
                 </a:solidFill>
@@ -3237,7 +3237,7 @@
           <a:ln/>
           <a:extLst>
             <a:ext uri="{91240B29-F687-4f45-9708-019B960494DF}">
-              <a14:hiddenLine xmlns="" xmlns:a14="http://schemas.microsoft.com/office/drawing/2010/main" w="9525">
+              <a14:hiddenLine xmlns:a14="http://schemas.microsoft.com/office/drawing/2010/main" xmlns="" w="9525">
                 <a:solidFill>
                   <a:srgbClr val="000000"/>
                 </a:solidFill>
@@ -3711,7 +3711,7 @@
           <a:ln/>
           <a:extLst>
             <a:ext uri="{91240B29-F687-4f45-9708-019B960494DF}">
-              <a14:hiddenLine xmlns="" xmlns:a14="http://schemas.microsoft.com/office/drawing/2010/main" w="9525">
+              <a14:hiddenLine xmlns:a14="http://schemas.microsoft.com/office/drawing/2010/main" xmlns="" w="9525">
                 <a:solidFill>
                   <a:srgbClr val="000000"/>
                 </a:solidFill>
@@ -4134,7 +4134,7 @@
           <a:ln/>
           <a:extLst>
             <a:ext uri="{91240B29-F687-4f45-9708-019B960494DF}">
-              <a14:hiddenLine xmlns="" xmlns:a14="http://schemas.microsoft.com/office/drawing/2010/main" w="9525">
+              <a14:hiddenLine xmlns:a14="http://schemas.microsoft.com/office/drawing/2010/main" xmlns="" w="9525">
                 <a:solidFill>
                   <a:srgbClr val="000000"/>
                 </a:solidFill>

--- a/Automobile Fuel Economy.pptx
+++ b/Automobile Fuel Economy.pptx
@@ -219,7 +219,7 @@
           <a:effectLst/>
           <a:extLst>
             <a:ext uri="{91240B29-F687-4f45-9708-019B960494DF}">
-              <a14:hiddenLine xmlns:a14="http://schemas.microsoft.com/office/drawing/2010/main" xmlns="" w="9525">
+              <a14:hiddenLine xmlns="" xmlns:a14="http://schemas.microsoft.com/office/drawing/2010/main" w="9525">
                 <a:solidFill>
                   <a:srgbClr val="000000"/>
                 </a:solidFill>
@@ -1729,7 +1729,7 @@
           <a:ln/>
           <a:extLst>
             <a:ext uri="{91240B29-F687-4f45-9708-019B960494DF}">
-              <a14:hiddenLine xmlns:a14="http://schemas.microsoft.com/office/drawing/2010/main" xmlns="" w="9525">
+              <a14:hiddenLine xmlns="" xmlns:a14="http://schemas.microsoft.com/office/drawing/2010/main" w="9525">
                 <a:solidFill>
                   <a:srgbClr val="000000"/>
                 </a:solidFill>
@@ -2001,7 +2001,7 @@
           <a:ln/>
           <a:extLst>
             <a:ext uri="{91240B29-F687-4f45-9708-019B960494DF}">
-              <a14:hiddenLine xmlns:a14="http://schemas.microsoft.com/office/drawing/2010/main" xmlns="" w="9525">
+              <a14:hiddenLine xmlns="" xmlns:a14="http://schemas.microsoft.com/office/drawing/2010/main" w="9525">
                 <a:solidFill>
                   <a:srgbClr val="000000"/>
                 </a:solidFill>
@@ -2281,7 +2281,7 @@
           <a:ln/>
           <a:extLst>
             <a:ext uri="{91240B29-F687-4f45-9708-019B960494DF}">
-              <a14:hiddenLine xmlns:a14="http://schemas.microsoft.com/office/drawing/2010/main" xmlns="" w="9525">
+              <a14:hiddenLine xmlns="" xmlns:a14="http://schemas.microsoft.com/office/drawing/2010/main" w="9525">
                 <a:solidFill>
                   <a:srgbClr val="000000"/>
                 </a:solidFill>
@@ -2901,7 +2901,7 @@
           <a:ln/>
           <a:extLst>
             <a:ext uri="{91240B29-F687-4f45-9708-019B960494DF}">
-              <a14:hiddenLine xmlns:a14="http://schemas.microsoft.com/office/drawing/2010/main" xmlns="" w="9525">
+              <a14:hiddenLine xmlns="" xmlns:a14="http://schemas.microsoft.com/office/drawing/2010/main" w="9525">
                 <a:solidFill>
                   <a:srgbClr val="000000"/>
                 </a:solidFill>
@@ -3237,7 +3237,7 @@
           <a:ln/>
           <a:extLst>
             <a:ext uri="{91240B29-F687-4f45-9708-019B960494DF}">
-              <a14:hiddenLine xmlns:a14="http://schemas.microsoft.com/office/drawing/2010/main" xmlns="" w="9525">
+              <a14:hiddenLine xmlns="" xmlns:a14="http://schemas.microsoft.com/office/drawing/2010/main" w="9525">
                 <a:solidFill>
                   <a:srgbClr val="000000"/>
                 </a:solidFill>
@@ -3711,7 +3711,7 @@
           <a:ln/>
           <a:extLst>
             <a:ext uri="{91240B29-F687-4f45-9708-019B960494DF}">
-              <a14:hiddenLine xmlns:a14="http://schemas.microsoft.com/office/drawing/2010/main" xmlns="" w="9525">
+              <a14:hiddenLine xmlns="" xmlns:a14="http://schemas.microsoft.com/office/drawing/2010/main" w="9525">
                 <a:solidFill>
                   <a:srgbClr val="000000"/>
                 </a:solidFill>
@@ -4134,7 +4134,7 @@
           <a:ln/>
           <a:extLst>
             <a:ext uri="{91240B29-F687-4f45-9708-019B960494DF}">
-              <a14:hiddenLine xmlns:a14="http://schemas.microsoft.com/office/drawing/2010/main" xmlns="" w="9525">
+              <a14:hiddenLine xmlns="" xmlns:a14="http://schemas.microsoft.com/office/drawing/2010/main" w="9525">
                 <a:solidFill>
                   <a:srgbClr val="000000"/>
                 </a:solidFill>
@@ -6920,7 +6920,26 @@
                   <a:schemeClr val="bg1"/>
                 </a:solidFill>
               </a:rPr>
-              <a:t>5 mins to present</a:t>
+              <a:t>5 mins to </a:t>
+            </a:r>
+            <a:r>
+              <a:rPr lang="en-US" dirty="0" smtClean="0">
+                <a:solidFill>
+                  <a:schemeClr val="bg1"/>
+                </a:solidFill>
+              </a:rPr>
+              <a:t>present with hard-stop</a:t>
+            </a:r>
+          </a:p>
+          <a:p>
+            <a:pPr lvl="1"/>
+            <a:r>
+              <a:rPr lang="en-US" dirty="0" smtClean="0">
+                <a:solidFill>
+                  <a:schemeClr val="bg1"/>
+                </a:solidFill>
+              </a:rPr>
+              <a:t>Notebook will be reviewed offline</a:t>
             </a:r>
             <a:endParaRPr lang="en-US" dirty="0">
               <a:solidFill>
